--- a/발표자료/업데이트/LJJppt.pptx
+++ b/발표자료/업데이트/LJJppt.pptx
@@ -212,7 +212,7 @@
           <a:p>
             <a:fld id="{E7FAF690-47E0-7340-8219-FF1F73A830AB}" type="datetimeFigureOut">
               <a:rPr kumimoji="1" lang="x-none" altLang="en-US" smtClean="0"/>
-              <a:t>2023-07-26</a:t>
+              <a:t>2023-08-10</a:t>
             </a:fld>
             <a:endParaRPr kumimoji="1" lang="x-none" altLang="en-US"/>
           </a:p>
@@ -627,7 +627,7 @@
           <a:p>
             <a:fld id="{246E467A-4026-4A8D-97BF-715EF7FA6491}" type="datetimeFigureOut">
               <a:rPr lang="ko-KR" altLang="en-US" smtClean="0"/>
-              <a:t>2023-07-26</a:t>
+              <a:t>2023-08-10</a:t>
             </a:fld>
             <a:endParaRPr lang="ko-KR" altLang="en-US"/>
           </a:p>
@@ -825,7 +825,7 @@
           <a:p>
             <a:fld id="{246E467A-4026-4A8D-97BF-715EF7FA6491}" type="datetimeFigureOut">
               <a:rPr lang="ko-KR" altLang="en-US" smtClean="0"/>
-              <a:t>2023-07-26</a:t>
+              <a:t>2023-08-10</a:t>
             </a:fld>
             <a:endParaRPr lang="ko-KR" altLang="en-US"/>
           </a:p>
@@ -1033,7 +1033,7 @@
           <a:p>
             <a:fld id="{246E467A-4026-4A8D-97BF-715EF7FA6491}" type="datetimeFigureOut">
               <a:rPr lang="ko-KR" altLang="en-US" smtClean="0"/>
-              <a:t>2023-07-26</a:t>
+              <a:t>2023-08-10</a:t>
             </a:fld>
             <a:endParaRPr lang="ko-KR" altLang="en-US"/>
           </a:p>
@@ -1231,7 +1231,7 @@
           <a:p>
             <a:fld id="{246E467A-4026-4A8D-97BF-715EF7FA6491}" type="datetimeFigureOut">
               <a:rPr lang="ko-KR" altLang="en-US" smtClean="0"/>
-              <a:t>2023-07-26</a:t>
+              <a:t>2023-08-10</a:t>
             </a:fld>
             <a:endParaRPr lang="ko-KR" altLang="en-US"/>
           </a:p>
@@ -1506,7 +1506,7 @@
           <a:p>
             <a:fld id="{246E467A-4026-4A8D-97BF-715EF7FA6491}" type="datetimeFigureOut">
               <a:rPr lang="ko-KR" altLang="en-US" smtClean="0"/>
-              <a:t>2023-07-26</a:t>
+              <a:t>2023-08-10</a:t>
             </a:fld>
             <a:endParaRPr lang="ko-KR" altLang="en-US"/>
           </a:p>
@@ -1771,7 +1771,7 @@
           <a:p>
             <a:fld id="{246E467A-4026-4A8D-97BF-715EF7FA6491}" type="datetimeFigureOut">
               <a:rPr lang="ko-KR" altLang="en-US" smtClean="0"/>
-              <a:t>2023-07-26</a:t>
+              <a:t>2023-08-10</a:t>
             </a:fld>
             <a:endParaRPr lang="ko-KR" altLang="en-US"/>
           </a:p>
@@ -2183,7 +2183,7 @@
           <a:p>
             <a:fld id="{246E467A-4026-4A8D-97BF-715EF7FA6491}" type="datetimeFigureOut">
               <a:rPr lang="ko-KR" altLang="en-US" smtClean="0"/>
-              <a:t>2023-07-26</a:t>
+              <a:t>2023-08-10</a:t>
             </a:fld>
             <a:endParaRPr lang="ko-KR" altLang="en-US"/>
           </a:p>
@@ -2324,7 +2324,7 @@
           <a:p>
             <a:fld id="{246E467A-4026-4A8D-97BF-715EF7FA6491}" type="datetimeFigureOut">
               <a:rPr lang="ko-KR" altLang="en-US" smtClean="0"/>
-              <a:t>2023-07-26</a:t>
+              <a:t>2023-08-10</a:t>
             </a:fld>
             <a:endParaRPr lang="ko-KR" altLang="en-US"/>
           </a:p>
@@ -2437,7 +2437,7 @@
           <a:p>
             <a:fld id="{246E467A-4026-4A8D-97BF-715EF7FA6491}" type="datetimeFigureOut">
               <a:rPr lang="ko-KR" altLang="en-US" smtClean="0"/>
-              <a:t>2023-07-26</a:t>
+              <a:t>2023-08-10</a:t>
             </a:fld>
             <a:endParaRPr lang="ko-KR" altLang="en-US"/>
           </a:p>
@@ -2748,7 +2748,7 @@
           <a:p>
             <a:fld id="{246E467A-4026-4A8D-97BF-715EF7FA6491}" type="datetimeFigureOut">
               <a:rPr lang="ko-KR" altLang="en-US" smtClean="0"/>
-              <a:t>2023-07-26</a:t>
+              <a:t>2023-08-10</a:t>
             </a:fld>
             <a:endParaRPr lang="ko-KR" altLang="en-US"/>
           </a:p>
@@ -3036,7 +3036,7 @@
           <a:p>
             <a:fld id="{246E467A-4026-4A8D-97BF-715EF7FA6491}" type="datetimeFigureOut">
               <a:rPr lang="ko-KR" altLang="en-US" smtClean="0"/>
-              <a:t>2023-07-26</a:t>
+              <a:t>2023-08-10</a:t>
             </a:fld>
             <a:endParaRPr lang="ko-KR" altLang="en-US"/>
           </a:p>
@@ -3277,7 +3277,7 @@
           <a:p>
             <a:fld id="{246E467A-4026-4A8D-97BF-715EF7FA6491}" type="datetimeFigureOut">
               <a:rPr lang="ko-KR" altLang="en-US" smtClean="0"/>
-              <a:t>2023-07-26</a:t>
+              <a:t>2023-08-10</a:t>
             </a:fld>
             <a:endParaRPr lang="ko-KR" altLang="en-US"/>
           </a:p>
@@ -4143,8 +4143,8 @@
         </p:nvSpPr>
         <p:spPr>
           <a:xfrm>
-            <a:off x="7623313" y="1470996"/>
-            <a:ext cx="4214192" cy="923330"/>
+            <a:off x="4862926" y="521471"/>
+            <a:ext cx="4214192" cy="646331"/>
           </a:xfrm>
           <a:prstGeom prst="rect">
             <a:avLst/>
@@ -4158,27 +4158,92 @@
           <a:lstStyle/>
           <a:p>
             <a:r>
+              <a:rPr lang="ko-KR" altLang="en-US" dirty="0"/>
+              <a:t>텍스트 감지</a:t>
+            </a:r>
+            <a:r>
               <a:rPr lang="en-US" altLang="ko-KR" dirty="0"/>
-              <a:t>Vision API </a:t>
+              <a:t>, </a:t>
             </a:r>
             <a:r>
               <a:rPr lang="ko-KR" altLang="en-US" dirty="0"/>
-              <a:t>에서 색상 정보가 위치 정보와 함께 있는 것이 아닌 퍼센트로 나와 이에 대한 해결방안 모색 중 입니다</a:t>
+              <a:t>로고 감지</a:t>
             </a:r>
             <a:r>
               <a:rPr lang="en-US" altLang="ko-KR" dirty="0"/>
-              <a:t>.</a:t>
-            </a:r>
-            <a:endParaRPr lang="ko-KR" altLang="en-US" dirty="0"/>
+              <a:t>, </a:t>
+            </a:r>
+            <a:r>
+              <a:rPr lang="ko-KR" altLang="en-US" dirty="0"/>
+              <a:t>여러 객체 감지 기능을 이용한 옷의 특징 검출</a:t>
+            </a:r>
           </a:p>
         </p:txBody>
       </p:sp>
       <p:pic>
         <p:nvPicPr>
-          <p:cNvPr id="4" name="그림 3">
-            <a:extLst>
-              <a:ext uri="{FF2B5EF4-FFF2-40B4-BE49-F238E27FC236}">
-                <a16:creationId xmlns:a16="http://schemas.microsoft.com/office/drawing/2014/main" id="{154EAE5C-9D9E-12A3-F297-3B5B8653A969}"/>
+          <p:cNvPr id="5" name="그림 4">
+            <a:extLst>
+              <a:ext uri="{FF2B5EF4-FFF2-40B4-BE49-F238E27FC236}">
+                <a16:creationId xmlns:a16="http://schemas.microsoft.com/office/drawing/2014/main" id="{73848602-4890-1188-EBE2-9489D8AC371D}"/>
+              </a:ext>
+            </a:extLst>
+          </p:cNvPr>
+          <p:cNvPicPr>
+            <a:picLocks noChangeAspect="1"/>
+          </p:cNvPicPr>
+          <p:nvPr/>
+        </p:nvPicPr>
+        <p:blipFill rotWithShape="1">
+          <a:blip r:embed="rId2"/>
+          <a:srcRect r="12889" b="11625"/>
+          <a:stretch/>
+        </p:blipFill>
+        <p:spPr>
+          <a:xfrm>
+            <a:off x="152400" y="521471"/>
+            <a:ext cx="3853070" cy="2633057"/>
+          </a:xfrm>
+          <a:prstGeom prst="rect">
+            <a:avLst/>
+          </a:prstGeom>
+        </p:spPr>
+      </p:pic>
+      <p:pic>
+        <p:nvPicPr>
+          <p:cNvPr id="7" name="그림 6">
+            <a:extLst>
+              <a:ext uri="{FF2B5EF4-FFF2-40B4-BE49-F238E27FC236}">
+                <a16:creationId xmlns:a16="http://schemas.microsoft.com/office/drawing/2014/main" id="{0CAA4E7F-C871-5A3C-4152-15043AC83ECB}"/>
+              </a:ext>
+            </a:extLst>
+          </p:cNvPr>
+          <p:cNvPicPr>
+            <a:picLocks noChangeAspect="1"/>
+          </p:cNvPicPr>
+          <p:nvPr/>
+        </p:nvPicPr>
+        <p:blipFill rotWithShape="1">
+          <a:blip r:embed="rId3"/>
+          <a:srcRect l="20555" t="8540"/>
+          <a:stretch/>
+        </p:blipFill>
+        <p:spPr>
+          <a:xfrm>
+            <a:off x="152400" y="3255803"/>
+            <a:ext cx="4481720" cy="3411697"/>
+          </a:xfrm>
+          <a:prstGeom prst="rect">
+            <a:avLst/>
+          </a:prstGeom>
+        </p:spPr>
+      </p:pic>
+      <p:pic>
+        <p:nvPicPr>
+          <p:cNvPr id="9" name="그림 8">
+            <a:extLst>
+              <a:ext uri="{FF2B5EF4-FFF2-40B4-BE49-F238E27FC236}">
+                <a16:creationId xmlns:a16="http://schemas.microsoft.com/office/drawing/2014/main" id="{B13A3AE5-E637-B65C-F497-56D47D9D47D9}"/>
               </a:ext>
             </a:extLst>
           </p:cNvPr>
@@ -4188,15 +4253,15 @@
           <p:nvPr/>
         </p:nvPicPr>
         <p:blipFill>
-          <a:blip r:embed="rId2"/>
+          <a:blip r:embed="rId4"/>
           <a:stretch>
             <a:fillRect/>
           </a:stretch>
         </p:blipFill>
         <p:spPr>
           <a:xfrm>
-            <a:off x="0" y="1470994"/>
-            <a:ext cx="7553325" cy="5334000"/>
+            <a:off x="4862926" y="3467100"/>
+            <a:ext cx="4314825" cy="3200400"/>
           </a:xfrm>
           <a:prstGeom prst="rect">
             <a:avLst/>

--- a/발표자료/업데이트/LJJppt.pptx
+++ b/발표자료/업데이트/LJJppt.pptx
@@ -5,14 +5,15 @@
     <p:sldMasterId id="2147483648" r:id="rId1"/>
   </p:sldMasterIdLst>
   <p:notesMasterIdLst>
-    <p:notesMasterId r:id="rId7"/>
+    <p:notesMasterId r:id="rId8"/>
   </p:notesMasterIdLst>
   <p:sldIdLst>
     <p:sldId id="256" r:id="rId2"/>
     <p:sldId id="260" r:id="rId3"/>
     <p:sldId id="298" r:id="rId4"/>
-    <p:sldId id="263" r:id="rId5"/>
-    <p:sldId id="277" r:id="rId6"/>
+    <p:sldId id="299" r:id="rId5"/>
+    <p:sldId id="263" r:id="rId6"/>
+    <p:sldId id="277" r:id="rId7"/>
   </p:sldIdLst>
   <p:sldSz cx="12192000" cy="6858000"/>
   <p:notesSz cx="6858000" cy="9144000"/>
@@ -212,7 +213,7 @@
           <a:p>
             <a:fld id="{E7FAF690-47E0-7340-8219-FF1F73A830AB}" type="datetimeFigureOut">
               <a:rPr kumimoji="1" lang="x-none" altLang="en-US" smtClean="0"/>
-              <a:t>2023-08-10</a:t>
+              <a:t>2023-08-23</a:t>
             </a:fld>
             <a:endParaRPr kumimoji="1" lang="x-none" altLang="en-US"/>
           </a:p>
@@ -627,7 +628,7 @@
           <a:p>
             <a:fld id="{246E467A-4026-4A8D-97BF-715EF7FA6491}" type="datetimeFigureOut">
               <a:rPr lang="ko-KR" altLang="en-US" smtClean="0"/>
-              <a:t>2023-08-10</a:t>
+              <a:t>2023-08-23</a:t>
             </a:fld>
             <a:endParaRPr lang="ko-KR" altLang="en-US"/>
           </a:p>
@@ -825,7 +826,7 @@
           <a:p>
             <a:fld id="{246E467A-4026-4A8D-97BF-715EF7FA6491}" type="datetimeFigureOut">
               <a:rPr lang="ko-KR" altLang="en-US" smtClean="0"/>
-              <a:t>2023-08-10</a:t>
+              <a:t>2023-08-23</a:t>
             </a:fld>
             <a:endParaRPr lang="ko-KR" altLang="en-US"/>
           </a:p>
@@ -1033,7 +1034,7 @@
           <a:p>
             <a:fld id="{246E467A-4026-4A8D-97BF-715EF7FA6491}" type="datetimeFigureOut">
               <a:rPr lang="ko-KR" altLang="en-US" smtClean="0"/>
-              <a:t>2023-08-10</a:t>
+              <a:t>2023-08-23</a:t>
             </a:fld>
             <a:endParaRPr lang="ko-KR" altLang="en-US"/>
           </a:p>
@@ -1231,7 +1232,7 @@
           <a:p>
             <a:fld id="{246E467A-4026-4A8D-97BF-715EF7FA6491}" type="datetimeFigureOut">
               <a:rPr lang="ko-KR" altLang="en-US" smtClean="0"/>
-              <a:t>2023-08-10</a:t>
+              <a:t>2023-08-23</a:t>
             </a:fld>
             <a:endParaRPr lang="ko-KR" altLang="en-US"/>
           </a:p>
@@ -1506,7 +1507,7 @@
           <a:p>
             <a:fld id="{246E467A-4026-4A8D-97BF-715EF7FA6491}" type="datetimeFigureOut">
               <a:rPr lang="ko-KR" altLang="en-US" smtClean="0"/>
-              <a:t>2023-08-10</a:t>
+              <a:t>2023-08-23</a:t>
             </a:fld>
             <a:endParaRPr lang="ko-KR" altLang="en-US"/>
           </a:p>
@@ -1771,7 +1772,7 @@
           <a:p>
             <a:fld id="{246E467A-4026-4A8D-97BF-715EF7FA6491}" type="datetimeFigureOut">
               <a:rPr lang="ko-KR" altLang="en-US" smtClean="0"/>
-              <a:t>2023-08-10</a:t>
+              <a:t>2023-08-23</a:t>
             </a:fld>
             <a:endParaRPr lang="ko-KR" altLang="en-US"/>
           </a:p>
@@ -2183,7 +2184,7 @@
           <a:p>
             <a:fld id="{246E467A-4026-4A8D-97BF-715EF7FA6491}" type="datetimeFigureOut">
               <a:rPr lang="ko-KR" altLang="en-US" smtClean="0"/>
-              <a:t>2023-08-10</a:t>
+              <a:t>2023-08-23</a:t>
             </a:fld>
             <a:endParaRPr lang="ko-KR" altLang="en-US"/>
           </a:p>
@@ -2324,7 +2325,7 @@
           <a:p>
             <a:fld id="{246E467A-4026-4A8D-97BF-715EF7FA6491}" type="datetimeFigureOut">
               <a:rPr lang="ko-KR" altLang="en-US" smtClean="0"/>
-              <a:t>2023-08-10</a:t>
+              <a:t>2023-08-23</a:t>
             </a:fld>
             <a:endParaRPr lang="ko-KR" altLang="en-US"/>
           </a:p>
@@ -2437,7 +2438,7 @@
           <a:p>
             <a:fld id="{246E467A-4026-4A8D-97BF-715EF7FA6491}" type="datetimeFigureOut">
               <a:rPr lang="ko-KR" altLang="en-US" smtClean="0"/>
-              <a:t>2023-08-10</a:t>
+              <a:t>2023-08-23</a:t>
             </a:fld>
             <a:endParaRPr lang="ko-KR" altLang="en-US"/>
           </a:p>
@@ -2748,7 +2749,7 @@
           <a:p>
             <a:fld id="{246E467A-4026-4A8D-97BF-715EF7FA6491}" type="datetimeFigureOut">
               <a:rPr lang="ko-KR" altLang="en-US" smtClean="0"/>
-              <a:t>2023-08-10</a:t>
+              <a:t>2023-08-23</a:t>
             </a:fld>
             <a:endParaRPr lang="ko-KR" altLang="en-US"/>
           </a:p>
@@ -3036,7 +3037,7 @@
           <a:p>
             <a:fld id="{246E467A-4026-4A8D-97BF-715EF7FA6491}" type="datetimeFigureOut">
               <a:rPr lang="ko-KR" altLang="en-US" smtClean="0"/>
-              <a:t>2023-08-10</a:t>
+              <a:t>2023-08-23</a:t>
             </a:fld>
             <a:endParaRPr lang="ko-KR" altLang="en-US"/>
           </a:p>
@@ -3277,7 +3278,7 @@
           <a:p>
             <a:fld id="{246E467A-4026-4A8D-97BF-715EF7FA6491}" type="datetimeFigureOut">
               <a:rPr lang="ko-KR" altLang="en-US" smtClean="0"/>
-              <a:t>2023-08-10</a:t>
+              <a:t>2023-08-23</a:t>
             </a:fld>
             <a:endParaRPr lang="ko-KR" altLang="en-US"/>
           </a:p>
@@ -3992,7 +3993,21 @@
                 <a:latin typeface="Apple SD Gothic Neo" panose="02000300000000000000" pitchFamily="2" charset="-127"/>
                 <a:ea typeface="Apple SD Gothic Neo" panose="02000300000000000000" pitchFamily="2" charset="-127"/>
               </a:rPr>
-              <a:t>: Google Vision API </a:t>
+              <a:t>: </a:t>
+            </a:r>
+            <a:r>
+              <a:rPr lang="ko-KR" altLang="en-US" sz="2000" dirty="0">
+                <a:latin typeface="Apple SD Gothic Neo" panose="02000300000000000000" pitchFamily="2" charset="-127"/>
+                <a:ea typeface="Apple SD Gothic Neo" panose="02000300000000000000" pitchFamily="2" charset="-127"/>
+              </a:rPr>
+              <a:t>네이버 오픈 </a:t>
+            </a:r>
+            <a:r>
+              <a:rPr lang="en-US" altLang="ko-KR" sz="2000" dirty="0">
+                <a:latin typeface="Apple SD Gothic Neo" panose="02000300000000000000" pitchFamily="2" charset="-127"/>
+                <a:ea typeface="Apple SD Gothic Neo" panose="02000300000000000000" pitchFamily="2" charset="-127"/>
+              </a:rPr>
+              <a:t>API </a:t>
             </a:r>
             <a:r>
               <a:rPr lang="ko-KR" altLang="en-US" sz="2000" dirty="0">
@@ -4143,8 +4158,8 @@
         </p:nvSpPr>
         <p:spPr>
           <a:xfrm>
-            <a:off x="4862926" y="521471"/>
-            <a:ext cx="4214192" cy="646331"/>
+            <a:off x="152400" y="5786732"/>
+            <a:ext cx="11277600" cy="923330"/>
           </a:xfrm>
           <a:prstGeom prst="rect">
             <a:avLst/>
@@ -4159,91 +4174,55 @@
           <a:p>
             <a:r>
               <a:rPr lang="ko-KR" altLang="en-US" dirty="0"/>
-              <a:t>텍스트 감지</a:t>
+              <a:t>기존에 계획하던 </a:t>
             </a:r>
             <a:r>
               <a:rPr lang="en-US" altLang="ko-KR" dirty="0"/>
-              <a:t>, </a:t>
+              <a:t>Google Search API </a:t>
             </a:r>
             <a:r>
               <a:rPr lang="ko-KR" altLang="en-US" dirty="0"/>
-              <a:t>로고 감지</a:t>
+              <a:t>에서 </a:t>
             </a:r>
             <a:r>
               <a:rPr lang="en-US" altLang="ko-KR" dirty="0"/>
-              <a:t>, </a:t>
+              <a:t>NAVER Developers </a:t>
             </a:r>
             <a:r>
               <a:rPr lang="ko-KR" altLang="en-US" dirty="0"/>
-              <a:t>여러 객체 감지 기능을 이용한 옷의 특징 검출</a:t>
+              <a:t>에서 제공하는 네이버 오픈 </a:t>
+            </a:r>
+            <a:r>
+              <a:rPr lang="en-US" altLang="ko-KR" dirty="0"/>
+              <a:t>API</a:t>
+            </a:r>
+            <a:r>
+              <a:rPr lang="ko-KR" altLang="en-US" dirty="0"/>
+              <a:t> 로 변경</a:t>
+            </a:r>
+            <a:endParaRPr lang="en-US" altLang="ko-KR" dirty="0"/>
+          </a:p>
+          <a:p>
+            <a:endParaRPr lang="en-US" altLang="ko-KR" dirty="0"/>
+          </a:p>
+          <a:p>
+            <a:r>
+              <a:rPr lang="en-US" altLang="ko-KR" dirty="0"/>
+              <a:t>-&gt; </a:t>
+            </a:r>
+            <a:r>
+              <a:rPr lang="ko-KR" altLang="en-US" dirty="0"/>
+              <a:t>네이버 쇼핑 검색 기능으로 원하는 결과 도출에 더 적합함</a:t>
             </a:r>
           </a:p>
         </p:txBody>
       </p:sp>
       <p:pic>
         <p:nvPicPr>
-          <p:cNvPr id="5" name="그림 4">
-            <a:extLst>
-              <a:ext uri="{FF2B5EF4-FFF2-40B4-BE49-F238E27FC236}">
-                <a16:creationId xmlns:a16="http://schemas.microsoft.com/office/drawing/2014/main" id="{73848602-4890-1188-EBE2-9489D8AC371D}"/>
-              </a:ext>
-            </a:extLst>
-          </p:cNvPr>
-          <p:cNvPicPr>
-            <a:picLocks noChangeAspect="1"/>
-          </p:cNvPicPr>
-          <p:nvPr/>
-        </p:nvPicPr>
-        <p:blipFill rotWithShape="1">
-          <a:blip r:embed="rId2"/>
-          <a:srcRect r="12889" b="11625"/>
-          <a:stretch/>
-        </p:blipFill>
-        <p:spPr>
-          <a:xfrm>
-            <a:off x="152400" y="521471"/>
-            <a:ext cx="3853070" cy="2633057"/>
-          </a:xfrm>
-          <a:prstGeom prst="rect">
-            <a:avLst/>
-          </a:prstGeom>
-        </p:spPr>
-      </p:pic>
-      <p:pic>
-        <p:nvPicPr>
-          <p:cNvPr id="7" name="그림 6">
-            <a:extLst>
-              <a:ext uri="{FF2B5EF4-FFF2-40B4-BE49-F238E27FC236}">
-                <a16:creationId xmlns:a16="http://schemas.microsoft.com/office/drawing/2014/main" id="{0CAA4E7F-C871-5A3C-4152-15043AC83ECB}"/>
-              </a:ext>
-            </a:extLst>
-          </p:cNvPr>
-          <p:cNvPicPr>
-            <a:picLocks noChangeAspect="1"/>
-          </p:cNvPicPr>
-          <p:nvPr/>
-        </p:nvPicPr>
-        <p:blipFill rotWithShape="1">
-          <a:blip r:embed="rId3"/>
-          <a:srcRect l="20555" t="8540"/>
-          <a:stretch/>
-        </p:blipFill>
-        <p:spPr>
-          <a:xfrm>
-            <a:off x="152400" y="3255803"/>
-            <a:ext cx="4481720" cy="3411697"/>
-          </a:xfrm>
-          <a:prstGeom prst="rect">
-            <a:avLst/>
-          </a:prstGeom>
-        </p:spPr>
-      </p:pic>
-      <p:pic>
-        <p:nvPicPr>
-          <p:cNvPr id="9" name="그림 8">
-            <a:extLst>
-              <a:ext uri="{FF2B5EF4-FFF2-40B4-BE49-F238E27FC236}">
-                <a16:creationId xmlns:a16="http://schemas.microsoft.com/office/drawing/2014/main" id="{B13A3AE5-E637-B65C-F497-56D47D9D47D9}"/>
+          <p:cNvPr id="4" name="그림 3">
+            <a:extLst>
+              <a:ext uri="{FF2B5EF4-FFF2-40B4-BE49-F238E27FC236}">
+                <a16:creationId xmlns:a16="http://schemas.microsoft.com/office/drawing/2014/main" id="{D4573092-CB64-FEB0-2F83-6FC52B481FE6}"/>
               </a:ext>
             </a:extLst>
           </p:cNvPr>
@@ -4253,15 +4232,15 @@
           <p:nvPr/>
         </p:nvPicPr>
         <p:blipFill>
-          <a:blip r:embed="rId4"/>
+          <a:blip r:embed="rId2"/>
           <a:stretch>
             <a:fillRect/>
           </a:stretch>
         </p:blipFill>
         <p:spPr>
           <a:xfrm>
-            <a:off x="4862926" y="3467100"/>
-            <a:ext cx="4314825" cy="3200400"/>
+            <a:off x="2777987" y="371565"/>
+            <a:ext cx="6636026" cy="5384661"/>
           </a:xfrm>
           <a:prstGeom prst="rect">
             <a:avLst/>
@@ -4296,6 +4275,230 @@
 <file path=ppt/slides/slide4.xml><?xml version="1.0" encoding="utf-8"?>
 <p:sld xmlns:a="http://schemas.openxmlformats.org/drawingml/2006/main" xmlns:r="http://schemas.openxmlformats.org/officeDocument/2006/relationships" xmlns:p="http://schemas.openxmlformats.org/presentationml/2006/main">
   <p:cSld>
+    <p:spTree>
+      <p:nvGrpSpPr>
+        <p:cNvPr id="1" name=""/>
+        <p:cNvGrpSpPr/>
+        <p:nvPr/>
+      </p:nvGrpSpPr>
+      <p:grpSpPr>
+        <a:xfrm>
+          <a:off x="0" y="0"/>
+          <a:ext cx="0" cy="0"/>
+          <a:chOff x="0" y="0"/>
+          <a:chExt cx="0" cy="0"/>
+        </a:xfrm>
+      </p:grpSpPr>
+      <p:cxnSp>
+        <p:nvCxnSpPr>
+          <p:cNvPr id="3" name="직선 연결선 2">
+            <a:extLst>
+              <a:ext uri="{FF2B5EF4-FFF2-40B4-BE49-F238E27FC236}">
+                <a16:creationId xmlns:a16="http://schemas.microsoft.com/office/drawing/2014/main" id="{30B7886A-E2C2-47A8-A271-1FD08F52EED0}"/>
+              </a:ext>
+            </a:extLst>
+          </p:cNvPr>
+          <p:cNvCxnSpPr>
+            <a:cxnSpLocks/>
+          </p:cNvCxnSpPr>
+          <p:nvPr/>
+        </p:nvCxnSpPr>
+        <p:spPr>
+          <a:xfrm>
+            <a:off x="152400" y="190500"/>
+            <a:ext cx="1435100" cy="0"/>
+          </a:xfrm>
+          <a:prstGeom prst="line">
+            <a:avLst/>
+          </a:prstGeom>
+          <a:ln w="76200">
+            <a:solidFill>
+              <a:schemeClr val="accent4"/>
+            </a:solidFill>
+          </a:ln>
+        </p:spPr>
+        <p:style>
+          <a:lnRef idx="1">
+            <a:schemeClr val="accent1"/>
+          </a:lnRef>
+          <a:fillRef idx="0">
+            <a:schemeClr val="accent1"/>
+          </a:fillRef>
+          <a:effectRef idx="0">
+            <a:schemeClr val="accent1"/>
+          </a:effectRef>
+          <a:fontRef idx="minor">
+            <a:schemeClr val="tx1"/>
+          </a:fontRef>
+        </p:style>
+      </p:cxnSp>
+      <p:cxnSp>
+        <p:nvCxnSpPr>
+          <p:cNvPr id="18" name="직선 연결선 17">
+            <a:extLst>
+              <a:ext uri="{FF2B5EF4-FFF2-40B4-BE49-F238E27FC236}">
+                <a16:creationId xmlns:a16="http://schemas.microsoft.com/office/drawing/2014/main" id="{7911BDFD-7E29-44F7-9ED7-E8F36B51436C}"/>
+              </a:ext>
+            </a:extLst>
+          </p:cNvPr>
+          <p:cNvCxnSpPr/>
+          <p:nvPr/>
+        </p:nvCxnSpPr>
+        <p:spPr>
+          <a:xfrm>
+            <a:off x="1587500" y="190500"/>
+            <a:ext cx="10604500" cy="0"/>
+          </a:xfrm>
+          <a:prstGeom prst="line">
+            <a:avLst/>
+          </a:prstGeom>
+        </p:spPr>
+        <p:style>
+          <a:lnRef idx="1">
+            <a:schemeClr val="accent1"/>
+          </a:lnRef>
+          <a:fillRef idx="0">
+            <a:schemeClr val="accent1"/>
+          </a:fillRef>
+          <a:effectRef idx="0">
+            <a:schemeClr val="accent1"/>
+          </a:effectRef>
+          <a:fontRef idx="minor">
+            <a:schemeClr val="tx1"/>
+          </a:fontRef>
+        </p:style>
+      </p:cxnSp>
+      <p:sp>
+        <p:nvSpPr>
+          <p:cNvPr id="11" name="TextBox 10">
+            <a:extLst>
+              <a:ext uri="{FF2B5EF4-FFF2-40B4-BE49-F238E27FC236}">
+                <a16:creationId xmlns:a16="http://schemas.microsoft.com/office/drawing/2014/main" id="{2F0282E5-FAB7-8B08-6F8D-02969677E299}"/>
+              </a:ext>
+            </a:extLst>
+          </p:cNvPr>
+          <p:cNvSpPr txBox="1"/>
+          <p:nvPr/>
+        </p:nvSpPr>
+        <p:spPr>
+          <a:xfrm>
+            <a:off x="152400" y="5786732"/>
+            <a:ext cx="5194852" cy="369332"/>
+          </a:xfrm>
+          <a:prstGeom prst="rect">
+            <a:avLst/>
+          </a:prstGeom>
+          <a:noFill/>
+        </p:spPr>
+        <p:txBody>
+          <a:bodyPr wrap="square" rtlCol="0">
+            <a:spAutoFit/>
+          </a:bodyPr>
+          <a:lstStyle/>
+          <a:p>
+            <a:r>
+              <a:rPr lang="ko-KR" altLang="en-US" dirty="0"/>
+              <a:t>네이버 오픈 </a:t>
+            </a:r>
+            <a:r>
+              <a:rPr lang="en-US" altLang="ko-KR" dirty="0"/>
+              <a:t>API</a:t>
+            </a:r>
+            <a:r>
+              <a:rPr lang="ko-KR" altLang="en-US" dirty="0"/>
+              <a:t>를 이용한 네이버 쇼핑 검색 예제</a:t>
+            </a:r>
+          </a:p>
+        </p:txBody>
+      </p:sp>
+      <p:pic>
+        <p:nvPicPr>
+          <p:cNvPr id="5" name="그림 4">
+            <a:extLst>
+              <a:ext uri="{FF2B5EF4-FFF2-40B4-BE49-F238E27FC236}">
+                <a16:creationId xmlns:a16="http://schemas.microsoft.com/office/drawing/2014/main" id="{50A521E0-0680-689E-44C1-3F431FAD3F7D}"/>
+              </a:ext>
+            </a:extLst>
+          </p:cNvPr>
+          <p:cNvPicPr>
+            <a:picLocks noChangeAspect="1"/>
+          </p:cNvPicPr>
+          <p:nvPr/>
+        </p:nvPicPr>
+        <p:blipFill>
+          <a:blip r:embed="rId2"/>
+          <a:stretch>
+            <a:fillRect/>
+          </a:stretch>
+        </p:blipFill>
+        <p:spPr>
+          <a:xfrm>
+            <a:off x="152400" y="418065"/>
+            <a:ext cx="6009483" cy="4163874"/>
+          </a:xfrm>
+          <a:prstGeom prst="rect">
+            <a:avLst/>
+          </a:prstGeom>
+        </p:spPr>
+      </p:pic>
+      <p:pic>
+        <p:nvPicPr>
+          <p:cNvPr id="7" name="그림 6">
+            <a:extLst>
+              <a:ext uri="{FF2B5EF4-FFF2-40B4-BE49-F238E27FC236}">
+                <a16:creationId xmlns:a16="http://schemas.microsoft.com/office/drawing/2014/main" id="{6860424E-632E-ED95-45AA-4A1660E2C7D2}"/>
+              </a:ext>
+            </a:extLst>
+          </p:cNvPr>
+          <p:cNvPicPr>
+            <a:picLocks noChangeAspect="1"/>
+          </p:cNvPicPr>
+          <p:nvPr/>
+        </p:nvPicPr>
+        <p:blipFill>
+          <a:blip r:embed="rId3"/>
+          <a:stretch>
+            <a:fillRect/>
+          </a:stretch>
+        </p:blipFill>
+        <p:spPr>
+          <a:xfrm>
+            <a:off x="6336674" y="418065"/>
+            <a:ext cx="3970204" cy="6232088"/>
+          </a:xfrm>
+          <a:prstGeom prst="rect">
+            <a:avLst/>
+          </a:prstGeom>
+        </p:spPr>
+      </p:pic>
+    </p:spTree>
+    <p:extLst>
+      <p:ext uri="{BB962C8B-B14F-4D97-AF65-F5344CB8AC3E}">
+        <p14:creationId xmlns:p14="http://schemas.microsoft.com/office/powerpoint/2010/main" val="3060648289"/>
+      </p:ext>
+    </p:extLst>
+  </p:cSld>
+  <p:clrMapOvr>
+    <a:masterClrMapping/>
+  </p:clrMapOvr>
+  <mc:AlternateContent xmlns:mc="http://schemas.openxmlformats.org/markup-compatibility/2006" xmlns:p14="http://schemas.microsoft.com/office/powerpoint/2010/main">
+    <mc:Choice Requires="p14">
+      <p:transition spd="med" p14:dur="700">
+        <p:fade/>
+      </p:transition>
+    </mc:Choice>
+    <mc:Fallback xmlns="">
+      <p:transition spd="med">
+        <p:fade/>
+      </p:transition>
+    </mc:Fallback>
+  </mc:AlternateContent>
+</p:sld>
+</file>
+
+<file path=ppt/slides/slide5.xml><?xml version="1.0" encoding="utf-8"?>
+<p:sld xmlns:a="http://schemas.openxmlformats.org/drawingml/2006/main" xmlns:r="http://schemas.openxmlformats.org/officeDocument/2006/relationships" xmlns:p="http://schemas.openxmlformats.org/presentationml/2006/main">
+  <p:cSld>
     <p:bg>
       <p:bgPr>
         <a:solidFill>
@@ -4415,7 +4618,7 @@
 </p:sld>
 </file>
 
-<file path=ppt/slides/slide5.xml><?xml version="1.0" encoding="utf-8"?>
+<file path=ppt/slides/slide6.xml><?xml version="1.0" encoding="utf-8"?>
 <p:sld xmlns:a="http://schemas.openxmlformats.org/drawingml/2006/main" xmlns:r="http://schemas.openxmlformats.org/officeDocument/2006/relationships" xmlns:p="http://schemas.openxmlformats.org/presentationml/2006/main">
   <p:cSld>
     <p:spTree>

--- a/발표자료/업데이트/LJJppt.pptx
+++ b/발표자료/업데이트/LJJppt.pptx
@@ -5,15 +5,14 @@
     <p:sldMasterId id="2147483648" r:id="rId1"/>
   </p:sldMasterIdLst>
   <p:notesMasterIdLst>
-    <p:notesMasterId r:id="rId8"/>
+    <p:notesMasterId r:id="rId7"/>
   </p:notesMasterIdLst>
   <p:sldIdLst>
     <p:sldId id="256" r:id="rId2"/>
     <p:sldId id="260" r:id="rId3"/>
     <p:sldId id="298" r:id="rId4"/>
-    <p:sldId id="299" r:id="rId5"/>
-    <p:sldId id="263" r:id="rId6"/>
-    <p:sldId id="277" r:id="rId7"/>
+    <p:sldId id="263" r:id="rId5"/>
+    <p:sldId id="277" r:id="rId6"/>
   </p:sldIdLst>
   <p:sldSz cx="12192000" cy="6858000"/>
   <p:notesSz cx="6858000" cy="9144000"/>
@@ -213,7 +212,7 @@
           <a:p>
             <a:fld id="{E7FAF690-47E0-7340-8219-FF1F73A830AB}" type="datetimeFigureOut">
               <a:rPr kumimoji="1" lang="x-none" altLang="en-US" smtClean="0"/>
-              <a:t>2023-08-23</a:t>
+              <a:t>2023-09-06</a:t>
             </a:fld>
             <a:endParaRPr kumimoji="1" lang="x-none" altLang="en-US"/>
           </a:p>
@@ -628,7 +627,7 @@
           <a:p>
             <a:fld id="{246E467A-4026-4A8D-97BF-715EF7FA6491}" type="datetimeFigureOut">
               <a:rPr lang="ko-KR" altLang="en-US" smtClean="0"/>
-              <a:t>2023-08-23</a:t>
+              <a:t>2023-09-06</a:t>
             </a:fld>
             <a:endParaRPr lang="ko-KR" altLang="en-US"/>
           </a:p>
@@ -826,7 +825,7 @@
           <a:p>
             <a:fld id="{246E467A-4026-4A8D-97BF-715EF7FA6491}" type="datetimeFigureOut">
               <a:rPr lang="ko-KR" altLang="en-US" smtClean="0"/>
-              <a:t>2023-08-23</a:t>
+              <a:t>2023-09-06</a:t>
             </a:fld>
             <a:endParaRPr lang="ko-KR" altLang="en-US"/>
           </a:p>
@@ -1034,7 +1033,7 @@
           <a:p>
             <a:fld id="{246E467A-4026-4A8D-97BF-715EF7FA6491}" type="datetimeFigureOut">
               <a:rPr lang="ko-KR" altLang="en-US" smtClean="0"/>
-              <a:t>2023-08-23</a:t>
+              <a:t>2023-09-06</a:t>
             </a:fld>
             <a:endParaRPr lang="ko-KR" altLang="en-US"/>
           </a:p>
@@ -1232,7 +1231,7 @@
           <a:p>
             <a:fld id="{246E467A-4026-4A8D-97BF-715EF7FA6491}" type="datetimeFigureOut">
               <a:rPr lang="ko-KR" altLang="en-US" smtClean="0"/>
-              <a:t>2023-08-23</a:t>
+              <a:t>2023-09-06</a:t>
             </a:fld>
             <a:endParaRPr lang="ko-KR" altLang="en-US"/>
           </a:p>
@@ -1507,7 +1506,7 @@
           <a:p>
             <a:fld id="{246E467A-4026-4A8D-97BF-715EF7FA6491}" type="datetimeFigureOut">
               <a:rPr lang="ko-KR" altLang="en-US" smtClean="0"/>
-              <a:t>2023-08-23</a:t>
+              <a:t>2023-09-06</a:t>
             </a:fld>
             <a:endParaRPr lang="ko-KR" altLang="en-US"/>
           </a:p>
@@ -1772,7 +1771,7 @@
           <a:p>
             <a:fld id="{246E467A-4026-4A8D-97BF-715EF7FA6491}" type="datetimeFigureOut">
               <a:rPr lang="ko-KR" altLang="en-US" smtClean="0"/>
-              <a:t>2023-08-23</a:t>
+              <a:t>2023-09-06</a:t>
             </a:fld>
             <a:endParaRPr lang="ko-KR" altLang="en-US"/>
           </a:p>
@@ -2184,7 +2183,7 @@
           <a:p>
             <a:fld id="{246E467A-4026-4A8D-97BF-715EF7FA6491}" type="datetimeFigureOut">
               <a:rPr lang="ko-KR" altLang="en-US" smtClean="0"/>
-              <a:t>2023-08-23</a:t>
+              <a:t>2023-09-06</a:t>
             </a:fld>
             <a:endParaRPr lang="ko-KR" altLang="en-US"/>
           </a:p>
@@ -2325,7 +2324,7 @@
           <a:p>
             <a:fld id="{246E467A-4026-4A8D-97BF-715EF7FA6491}" type="datetimeFigureOut">
               <a:rPr lang="ko-KR" altLang="en-US" smtClean="0"/>
-              <a:t>2023-08-23</a:t>
+              <a:t>2023-09-06</a:t>
             </a:fld>
             <a:endParaRPr lang="ko-KR" altLang="en-US"/>
           </a:p>
@@ -2438,7 +2437,7 @@
           <a:p>
             <a:fld id="{246E467A-4026-4A8D-97BF-715EF7FA6491}" type="datetimeFigureOut">
               <a:rPr lang="ko-KR" altLang="en-US" smtClean="0"/>
-              <a:t>2023-08-23</a:t>
+              <a:t>2023-09-06</a:t>
             </a:fld>
             <a:endParaRPr lang="ko-KR" altLang="en-US"/>
           </a:p>
@@ -2749,7 +2748,7 @@
           <a:p>
             <a:fld id="{246E467A-4026-4A8D-97BF-715EF7FA6491}" type="datetimeFigureOut">
               <a:rPr lang="ko-KR" altLang="en-US" smtClean="0"/>
-              <a:t>2023-08-23</a:t>
+              <a:t>2023-09-06</a:t>
             </a:fld>
             <a:endParaRPr lang="ko-KR" altLang="en-US"/>
           </a:p>
@@ -3037,7 +3036,7 @@
           <a:p>
             <a:fld id="{246E467A-4026-4A8D-97BF-715EF7FA6491}" type="datetimeFigureOut">
               <a:rPr lang="ko-KR" altLang="en-US" smtClean="0"/>
-              <a:t>2023-08-23</a:t>
+              <a:t>2023-09-06</a:t>
             </a:fld>
             <a:endParaRPr lang="ko-KR" altLang="en-US"/>
           </a:p>
@@ -3278,7 +3277,7 @@
           <a:p>
             <a:fld id="{246E467A-4026-4A8D-97BF-715EF7FA6491}" type="datetimeFigureOut">
               <a:rPr lang="ko-KR" altLang="en-US" smtClean="0"/>
-              <a:t>2023-08-23</a:t>
+              <a:t>2023-09-06</a:t>
             </a:fld>
             <a:endParaRPr lang="ko-KR" altLang="en-US"/>
           </a:p>
@@ -4158,8 +4157,8 @@
         </p:nvSpPr>
         <p:spPr>
           <a:xfrm>
-            <a:off x="152400" y="5786732"/>
-            <a:ext cx="11277600" cy="923330"/>
+            <a:off x="4412973" y="5148906"/>
+            <a:ext cx="2494724" cy="369332"/>
           </a:xfrm>
           <a:prstGeom prst="rect">
             <a:avLst/>
@@ -4174,55 +4173,18 @@
           <a:p>
             <a:r>
               <a:rPr lang="ko-KR" altLang="en-US" dirty="0"/>
-              <a:t>기존에 계획하던 </a:t>
-            </a:r>
-            <a:r>
-              <a:rPr lang="en-US" altLang="ko-KR" dirty="0"/>
-              <a:t>Google Search API </a:t>
-            </a:r>
-            <a:r>
-              <a:rPr lang="ko-KR" altLang="en-US" dirty="0"/>
-              <a:t>에서 </a:t>
-            </a:r>
-            <a:r>
-              <a:rPr lang="en-US" altLang="ko-KR" dirty="0"/>
-              <a:t>NAVER Developers </a:t>
-            </a:r>
-            <a:r>
-              <a:rPr lang="ko-KR" altLang="en-US" dirty="0"/>
-              <a:t>에서 제공하는 네이버 오픈 </a:t>
-            </a:r>
-            <a:r>
-              <a:rPr lang="en-US" altLang="ko-KR" dirty="0"/>
-              <a:t>API</a:t>
-            </a:r>
-            <a:r>
-              <a:rPr lang="ko-KR" altLang="en-US" dirty="0"/>
-              <a:t> 로 변경</a:t>
+              <a:t>메인 페이지 디자인 중</a:t>
             </a:r>
             <a:endParaRPr lang="en-US" altLang="ko-KR" dirty="0"/>
-          </a:p>
-          <a:p>
-            <a:endParaRPr lang="en-US" altLang="ko-KR" dirty="0"/>
-          </a:p>
-          <a:p>
-            <a:r>
-              <a:rPr lang="en-US" altLang="ko-KR" dirty="0"/>
-              <a:t>-&gt; </a:t>
-            </a:r>
-            <a:r>
-              <a:rPr lang="ko-KR" altLang="en-US" dirty="0"/>
-              <a:t>네이버 쇼핑 검색 기능으로 원하는 결과 도출에 더 적합함</a:t>
-            </a:r>
           </a:p>
         </p:txBody>
       </p:sp>
       <p:pic>
         <p:nvPicPr>
-          <p:cNvPr id="4" name="그림 3">
-            <a:extLst>
-              <a:ext uri="{FF2B5EF4-FFF2-40B4-BE49-F238E27FC236}">
-                <a16:creationId xmlns:a16="http://schemas.microsoft.com/office/drawing/2014/main" id="{D4573092-CB64-FEB0-2F83-6FC52B481FE6}"/>
+          <p:cNvPr id="5" name="그림 4">
+            <a:extLst>
+              <a:ext uri="{FF2B5EF4-FFF2-40B4-BE49-F238E27FC236}">
+                <a16:creationId xmlns:a16="http://schemas.microsoft.com/office/drawing/2014/main" id="{496CB0F4-F093-EDE1-B35B-6230D5EDD2B1}"/>
               </a:ext>
             </a:extLst>
           </p:cNvPr>
@@ -4231,16 +4193,44 @@
           </p:cNvPicPr>
           <p:nvPr/>
         </p:nvPicPr>
-        <p:blipFill>
+        <p:blipFill rotWithShape="1">
           <a:blip r:embed="rId2"/>
-          <a:stretch>
-            <a:fillRect/>
-          </a:stretch>
+          <a:srcRect l="118" t="323"/>
+          <a:stretch/>
         </p:blipFill>
         <p:spPr>
           <a:xfrm>
-            <a:off x="2777987" y="371565"/>
-            <a:ext cx="6636026" cy="5384661"/>
+            <a:off x="152400" y="884584"/>
+            <a:ext cx="5575851" cy="3966902"/>
+          </a:xfrm>
+          <a:prstGeom prst="rect">
+            <a:avLst/>
+          </a:prstGeom>
+        </p:spPr>
+      </p:pic>
+      <p:pic>
+        <p:nvPicPr>
+          <p:cNvPr id="7" name="그림 6">
+            <a:extLst>
+              <a:ext uri="{FF2B5EF4-FFF2-40B4-BE49-F238E27FC236}">
+                <a16:creationId xmlns:a16="http://schemas.microsoft.com/office/drawing/2014/main" id="{ED4AFDD2-B394-593E-A4FF-D29E15CB67C8}"/>
+              </a:ext>
+            </a:extLst>
+          </p:cNvPr>
+          <p:cNvPicPr>
+            <a:picLocks noChangeAspect="1"/>
+          </p:cNvPicPr>
+          <p:nvPr/>
+        </p:nvPicPr>
+        <p:blipFill rotWithShape="1">
+          <a:blip r:embed="rId3"/>
+          <a:srcRect b="691"/>
+          <a:stretch/>
+        </p:blipFill>
+        <p:spPr>
+          <a:xfrm>
+            <a:off x="5728251" y="888260"/>
+            <a:ext cx="5575851" cy="3932219"/>
           </a:xfrm>
           <a:prstGeom prst="rect">
             <a:avLst/>
@@ -4275,230 +4265,6 @@
 <file path=ppt/slides/slide4.xml><?xml version="1.0" encoding="utf-8"?>
 <p:sld xmlns:a="http://schemas.openxmlformats.org/drawingml/2006/main" xmlns:r="http://schemas.openxmlformats.org/officeDocument/2006/relationships" xmlns:p="http://schemas.openxmlformats.org/presentationml/2006/main">
   <p:cSld>
-    <p:spTree>
-      <p:nvGrpSpPr>
-        <p:cNvPr id="1" name=""/>
-        <p:cNvGrpSpPr/>
-        <p:nvPr/>
-      </p:nvGrpSpPr>
-      <p:grpSpPr>
-        <a:xfrm>
-          <a:off x="0" y="0"/>
-          <a:ext cx="0" cy="0"/>
-          <a:chOff x="0" y="0"/>
-          <a:chExt cx="0" cy="0"/>
-        </a:xfrm>
-      </p:grpSpPr>
-      <p:cxnSp>
-        <p:nvCxnSpPr>
-          <p:cNvPr id="3" name="직선 연결선 2">
-            <a:extLst>
-              <a:ext uri="{FF2B5EF4-FFF2-40B4-BE49-F238E27FC236}">
-                <a16:creationId xmlns:a16="http://schemas.microsoft.com/office/drawing/2014/main" id="{30B7886A-E2C2-47A8-A271-1FD08F52EED0}"/>
-              </a:ext>
-            </a:extLst>
-          </p:cNvPr>
-          <p:cNvCxnSpPr>
-            <a:cxnSpLocks/>
-          </p:cNvCxnSpPr>
-          <p:nvPr/>
-        </p:nvCxnSpPr>
-        <p:spPr>
-          <a:xfrm>
-            <a:off x="152400" y="190500"/>
-            <a:ext cx="1435100" cy="0"/>
-          </a:xfrm>
-          <a:prstGeom prst="line">
-            <a:avLst/>
-          </a:prstGeom>
-          <a:ln w="76200">
-            <a:solidFill>
-              <a:schemeClr val="accent4"/>
-            </a:solidFill>
-          </a:ln>
-        </p:spPr>
-        <p:style>
-          <a:lnRef idx="1">
-            <a:schemeClr val="accent1"/>
-          </a:lnRef>
-          <a:fillRef idx="0">
-            <a:schemeClr val="accent1"/>
-          </a:fillRef>
-          <a:effectRef idx="0">
-            <a:schemeClr val="accent1"/>
-          </a:effectRef>
-          <a:fontRef idx="minor">
-            <a:schemeClr val="tx1"/>
-          </a:fontRef>
-        </p:style>
-      </p:cxnSp>
-      <p:cxnSp>
-        <p:nvCxnSpPr>
-          <p:cNvPr id="18" name="직선 연결선 17">
-            <a:extLst>
-              <a:ext uri="{FF2B5EF4-FFF2-40B4-BE49-F238E27FC236}">
-                <a16:creationId xmlns:a16="http://schemas.microsoft.com/office/drawing/2014/main" id="{7911BDFD-7E29-44F7-9ED7-E8F36B51436C}"/>
-              </a:ext>
-            </a:extLst>
-          </p:cNvPr>
-          <p:cNvCxnSpPr/>
-          <p:nvPr/>
-        </p:nvCxnSpPr>
-        <p:spPr>
-          <a:xfrm>
-            <a:off x="1587500" y="190500"/>
-            <a:ext cx="10604500" cy="0"/>
-          </a:xfrm>
-          <a:prstGeom prst="line">
-            <a:avLst/>
-          </a:prstGeom>
-        </p:spPr>
-        <p:style>
-          <a:lnRef idx="1">
-            <a:schemeClr val="accent1"/>
-          </a:lnRef>
-          <a:fillRef idx="0">
-            <a:schemeClr val="accent1"/>
-          </a:fillRef>
-          <a:effectRef idx="0">
-            <a:schemeClr val="accent1"/>
-          </a:effectRef>
-          <a:fontRef idx="minor">
-            <a:schemeClr val="tx1"/>
-          </a:fontRef>
-        </p:style>
-      </p:cxnSp>
-      <p:sp>
-        <p:nvSpPr>
-          <p:cNvPr id="11" name="TextBox 10">
-            <a:extLst>
-              <a:ext uri="{FF2B5EF4-FFF2-40B4-BE49-F238E27FC236}">
-                <a16:creationId xmlns:a16="http://schemas.microsoft.com/office/drawing/2014/main" id="{2F0282E5-FAB7-8B08-6F8D-02969677E299}"/>
-              </a:ext>
-            </a:extLst>
-          </p:cNvPr>
-          <p:cNvSpPr txBox="1"/>
-          <p:nvPr/>
-        </p:nvSpPr>
-        <p:spPr>
-          <a:xfrm>
-            <a:off x="152400" y="5786732"/>
-            <a:ext cx="5194852" cy="369332"/>
-          </a:xfrm>
-          <a:prstGeom prst="rect">
-            <a:avLst/>
-          </a:prstGeom>
-          <a:noFill/>
-        </p:spPr>
-        <p:txBody>
-          <a:bodyPr wrap="square" rtlCol="0">
-            <a:spAutoFit/>
-          </a:bodyPr>
-          <a:lstStyle/>
-          <a:p>
-            <a:r>
-              <a:rPr lang="ko-KR" altLang="en-US" dirty="0"/>
-              <a:t>네이버 오픈 </a:t>
-            </a:r>
-            <a:r>
-              <a:rPr lang="en-US" altLang="ko-KR" dirty="0"/>
-              <a:t>API</a:t>
-            </a:r>
-            <a:r>
-              <a:rPr lang="ko-KR" altLang="en-US" dirty="0"/>
-              <a:t>를 이용한 네이버 쇼핑 검색 예제</a:t>
-            </a:r>
-          </a:p>
-        </p:txBody>
-      </p:sp>
-      <p:pic>
-        <p:nvPicPr>
-          <p:cNvPr id="5" name="그림 4">
-            <a:extLst>
-              <a:ext uri="{FF2B5EF4-FFF2-40B4-BE49-F238E27FC236}">
-                <a16:creationId xmlns:a16="http://schemas.microsoft.com/office/drawing/2014/main" id="{50A521E0-0680-689E-44C1-3F431FAD3F7D}"/>
-              </a:ext>
-            </a:extLst>
-          </p:cNvPr>
-          <p:cNvPicPr>
-            <a:picLocks noChangeAspect="1"/>
-          </p:cNvPicPr>
-          <p:nvPr/>
-        </p:nvPicPr>
-        <p:blipFill>
-          <a:blip r:embed="rId2"/>
-          <a:stretch>
-            <a:fillRect/>
-          </a:stretch>
-        </p:blipFill>
-        <p:spPr>
-          <a:xfrm>
-            <a:off x="152400" y="418065"/>
-            <a:ext cx="6009483" cy="4163874"/>
-          </a:xfrm>
-          <a:prstGeom prst="rect">
-            <a:avLst/>
-          </a:prstGeom>
-        </p:spPr>
-      </p:pic>
-      <p:pic>
-        <p:nvPicPr>
-          <p:cNvPr id="7" name="그림 6">
-            <a:extLst>
-              <a:ext uri="{FF2B5EF4-FFF2-40B4-BE49-F238E27FC236}">
-                <a16:creationId xmlns:a16="http://schemas.microsoft.com/office/drawing/2014/main" id="{6860424E-632E-ED95-45AA-4A1660E2C7D2}"/>
-              </a:ext>
-            </a:extLst>
-          </p:cNvPr>
-          <p:cNvPicPr>
-            <a:picLocks noChangeAspect="1"/>
-          </p:cNvPicPr>
-          <p:nvPr/>
-        </p:nvPicPr>
-        <p:blipFill>
-          <a:blip r:embed="rId3"/>
-          <a:stretch>
-            <a:fillRect/>
-          </a:stretch>
-        </p:blipFill>
-        <p:spPr>
-          <a:xfrm>
-            <a:off x="6336674" y="418065"/>
-            <a:ext cx="3970204" cy="6232088"/>
-          </a:xfrm>
-          <a:prstGeom prst="rect">
-            <a:avLst/>
-          </a:prstGeom>
-        </p:spPr>
-      </p:pic>
-    </p:spTree>
-    <p:extLst>
-      <p:ext uri="{BB962C8B-B14F-4D97-AF65-F5344CB8AC3E}">
-        <p14:creationId xmlns:p14="http://schemas.microsoft.com/office/powerpoint/2010/main" val="3060648289"/>
-      </p:ext>
-    </p:extLst>
-  </p:cSld>
-  <p:clrMapOvr>
-    <a:masterClrMapping/>
-  </p:clrMapOvr>
-  <mc:AlternateContent xmlns:mc="http://schemas.openxmlformats.org/markup-compatibility/2006" xmlns:p14="http://schemas.microsoft.com/office/powerpoint/2010/main">
-    <mc:Choice Requires="p14">
-      <p:transition spd="med" p14:dur="700">
-        <p:fade/>
-      </p:transition>
-    </mc:Choice>
-    <mc:Fallback xmlns="">
-      <p:transition spd="med">
-        <p:fade/>
-      </p:transition>
-    </mc:Fallback>
-  </mc:AlternateContent>
-</p:sld>
-</file>
-
-<file path=ppt/slides/slide5.xml><?xml version="1.0" encoding="utf-8"?>
-<p:sld xmlns:a="http://schemas.openxmlformats.org/drawingml/2006/main" xmlns:r="http://schemas.openxmlformats.org/officeDocument/2006/relationships" xmlns:p="http://schemas.openxmlformats.org/presentationml/2006/main">
-  <p:cSld>
     <p:bg>
       <p:bgPr>
         <a:solidFill>
@@ -4618,7 +4384,7 @@
 </p:sld>
 </file>
 
-<file path=ppt/slides/slide6.xml><?xml version="1.0" encoding="utf-8"?>
+<file path=ppt/slides/slide5.xml><?xml version="1.0" encoding="utf-8"?>
 <p:sld xmlns:a="http://schemas.openxmlformats.org/drawingml/2006/main" xmlns:r="http://schemas.openxmlformats.org/officeDocument/2006/relationships" xmlns:p="http://schemas.openxmlformats.org/presentationml/2006/main">
   <p:cSld>
     <p:spTree>

--- a/발표자료/업데이트/LJJppt.pptx
+++ b/발표자료/업데이트/LJJppt.pptx
@@ -212,7 +212,7 @@
           <a:p>
             <a:fld id="{E7FAF690-47E0-7340-8219-FF1F73A830AB}" type="datetimeFigureOut">
               <a:rPr kumimoji="1" lang="x-none" altLang="en-US" smtClean="0"/>
-              <a:t>2023-09-06</a:t>
+              <a:t>2023-09-13</a:t>
             </a:fld>
             <a:endParaRPr kumimoji="1" lang="x-none" altLang="en-US"/>
           </a:p>
@@ -627,7 +627,7 @@
           <a:p>
             <a:fld id="{246E467A-4026-4A8D-97BF-715EF7FA6491}" type="datetimeFigureOut">
               <a:rPr lang="ko-KR" altLang="en-US" smtClean="0"/>
-              <a:t>2023-09-06</a:t>
+              <a:t>2023-09-13</a:t>
             </a:fld>
             <a:endParaRPr lang="ko-KR" altLang="en-US"/>
           </a:p>
@@ -825,7 +825,7 @@
           <a:p>
             <a:fld id="{246E467A-4026-4A8D-97BF-715EF7FA6491}" type="datetimeFigureOut">
               <a:rPr lang="ko-KR" altLang="en-US" smtClean="0"/>
-              <a:t>2023-09-06</a:t>
+              <a:t>2023-09-13</a:t>
             </a:fld>
             <a:endParaRPr lang="ko-KR" altLang="en-US"/>
           </a:p>
@@ -1033,7 +1033,7 @@
           <a:p>
             <a:fld id="{246E467A-4026-4A8D-97BF-715EF7FA6491}" type="datetimeFigureOut">
               <a:rPr lang="ko-KR" altLang="en-US" smtClean="0"/>
-              <a:t>2023-09-06</a:t>
+              <a:t>2023-09-13</a:t>
             </a:fld>
             <a:endParaRPr lang="ko-KR" altLang="en-US"/>
           </a:p>
@@ -1231,7 +1231,7 @@
           <a:p>
             <a:fld id="{246E467A-4026-4A8D-97BF-715EF7FA6491}" type="datetimeFigureOut">
               <a:rPr lang="ko-KR" altLang="en-US" smtClean="0"/>
-              <a:t>2023-09-06</a:t>
+              <a:t>2023-09-13</a:t>
             </a:fld>
             <a:endParaRPr lang="ko-KR" altLang="en-US"/>
           </a:p>
@@ -1506,7 +1506,7 @@
           <a:p>
             <a:fld id="{246E467A-4026-4A8D-97BF-715EF7FA6491}" type="datetimeFigureOut">
               <a:rPr lang="ko-KR" altLang="en-US" smtClean="0"/>
-              <a:t>2023-09-06</a:t>
+              <a:t>2023-09-13</a:t>
             </a:fld>
             <a:endParaRPr lang="ko-KR" altLang="en-US"/>
           </a:p>
@@ -1771,7 +1771,7 @@
           <a:p>
             <a:fld id="{246E467A-4026-4A8D-97BF-715EF7FA6491}" type="datetimeFigureOut">
               <a:rPr lang="ko-KR" altLang="en-US" smtClean="0"/>
-              <a:t>2023-09-06</a:t>
+              <a:t>2023-09-13</a:t>
             </a:fld>
             <a:endParaRPr lang="ko-KR" altLang="en-US"/>
           </a:p>
@@ -2183,7 +2183,7 @@
           <a:p>
             <a:fld id="{246E467A-4026-4A8D-97BF-715EF7FA6491}" type="datetimeFigureOut">
               <a:rPr lang="ko-KR" altLang="en-US" smtClean="0"/>
-              <a:t>2023-09-06</a:t>
+              <a:t>2023-09-13</a:t>
             </a:fld>
             <a:endParaRPr lang="ko-KR" altLang="en-US"/>
           </a:p>
@@ -2324,7 +2324,7 @@
           <a:p>
             <a:fld id="{246E467A-4026-4A8D-97BF-715EF7FA6491}" type="datetimeFigureOut">
               <a:rPr lang="ko-KR" altLang="en-US" smtClean="0"/>
-              <a:t>2023-09-06</a:t>
+              <a:t>2023-09-13</a:t>
             </a:fld>
             <a:endParaRPr lang="ko-KR" altLang="en-US"/>
           </a:p>
@@ -2437,7 +2437,7 @@
           <a:p>
             <a:fld id="{246E467A-4026-4A8D-97BF-715EF7FA6491}" type="datetimeFigureOut">
               <a:rPr lang="ko-KR" altLang="en-US" smtClean="0"/>
-              <a:t>2023-09-06</a:t>
+              <a:t>2023-09-13</a:t>
             </a:fld>
             <a:endParaRPr lang="ko-KR" altLang="en-US"/>
           </a:p>
@@ -2748,7 +2748,7 @@
           <a:p>
             <a:fld id="{246E467A-4026-4A8D-97BF-715EF7FA6491}" type="datetimeFigureOut">
               <a:rPr lang="ko-KR" altLang="en-US" smtClean="0"/>
-              <a:t>2023-09-06</a:t>
+              <a:t>2023-09-13</a:t>
             </a:fld>
             <a:endParaRPr lang="ko-KR" altLang="en-US"/>
           </a:p>
@@ -3036,7 +3036,7 @@
           <a:p>
             <a:fld id="{246E467A-4026-4A8D-97BF-715EF7FA6491}" type="datetimeFigureOut">
               <a:rPr lang="ko-KR" altLang="en-US" smtClean="0"/>
-              <a:t>2023-09-06</a:t>
+              <a:t>2023-09-13</a:t>
             </a:fld>
             <a:endParaRPr lang="ko-KR" altLang="en-US"/>
           </a:p>
@@ -3277,7 +3277,7 @@
           <a:p>
             <a:fld id="{246E467A-4026-4A8D-97BF-715EF7FA6491}" type="datetimeFigureOut">
               <a:rPr lang="ko-KR" altLang="en-US" smtClean="0"/>
-              <a:t>2023-09-06</a:t>
+              <a:t>2023-09-13</a:t>
             </a:fld>
             <a:endParaRPr lang="ko-KR" altLang="en-US"/>
           </a:p>
@@ -4157,8 +4157,8 @@
         </p:nvSpPr>
         <p:spPr>
           <a:xfrm>
-            <a:off x="4412973" y="5148906"/>
-            <a:ext cx="2494724" cy="369332"/>
+            <a:off x="3906079" y="5148906"/>
+            <a:ext cx="3508512" cy="646331"/>
           </a:xfrm>
           <a:prstGeom prst="rect">
             <a:avLst/>
@@ -4173,7 +4173,14 @@
           <a:p>
             <a:r>
               <a:rPr lang="ko-KR" altLang="en-US" dirty="0"/>
-              <a:t>메인 페이지 디자인 중</a:t>
+              <a:t>메인 페이지 디자인 후 제작 작업</a:t>
+            </a:r>
+            <a:endParaRPr lang="en-US" altLang="ko-KR" dirty="0"/>
+          </a:p>
+          <a:p>
+            <a:r>
+              <a:rPr lang="ko-KR" altLang="en-US" dirty="0"/>
+              <a:t>로고는 바뀔 예정</a:t>
             </a:r>
             <a:endParaRPr lang="en-US" altLang="ko-KR" dirty="0"/>
           </a:p>
@@ -4181,10 +4188,10 @@
       </p:sp>
       <p:pic>
         <p:nvPicPr>
-          <p:cNvPr id="5" name="그림 4">
-            <a:extLst>
-              <a:ext uri="{FF2B5EF4-FFF2-40B4-BE49-F238E27FC236}">
-                <a16:creationId xmlns:a16="http://schemas.microsoft.com/office/drawing/2014/main" id="{496CB0F4-F093-EDE1-B35B-6230D5EDD2B1}"/>
+          <p:cNvPr id="4" name="그림 3">
+            <a:extLst>
+              <a:ext uri="{FF2B5EF4-FFF2-40B4-BE49-F238E27FC236}">
+                <a16:creationId xmlns:a16="http://schemas.microsoft.com/office/drawing/2014/main" id="{B6E16444-5055-483C-04C6-7CC3444711B4}"/>
               </a:ext>
             </a:extLst>
           </p:cNvPr>
@@ -4195,13 +4202,13 @@
         </p:nvPicPr>
         <p:blipFill rotWithShape="1">
           <a:blip r:embed="rId2"/>
-          <a:srcRect l="118" t="323"/>
+          <a:srcRect l="1687" t="1822" r="1449"/>
           <a:stretch/>
         </p:blipFill>
         <p:spPr>
           <a:xfrm>
-            <a:off x="152400" y="884584"/>
-            <a:ext cx="5575851" cy="3966902"/>
+            <a:off x="631136" y="825040"/>
+            <a:ext cx="4946374" cy="3564464"/>
           </a:xfrm>
           <a:prstGeom prst="rect">
             <a:avLst/>
@@ -4210,10 +4217,10 @@
       </p:pic>
       <p:pic>
         <p:nvPicPr>
-          <p:cNvPr id="7" name="그림 6">
-            <a:extLst>
-              <a:ext uri="{FF2B5EF4-FFF2-40B4-BE49-F238E27FC236}">
-                <a16:creationId xmlns:a16="http://schemas.microsoft.com/office/drawing/2014/main" id="{ED4AFDD2-B394-593E-A4FF-D29E15CB67C8}"/>
+          <p:cNvPr id="8" name="그림 7">
+            <a:extLst>
+              <a:ext uri="{FF2B5EF4-FFF2-40B4-BE49-F238E27FC236}">
+                <a16:creationId xmlns:a16="http://schemas.microsoft.com/office/drawing/2014/main" id="{D5F13818-24D0-527A-AA56-DA1E1D99C352}"/>
               </a:ext>
             </a:extLst>
           </p:cNvPr>
@@ -4224,13 +4231,13 @@
         </p:nvPicPr>
         <p:blipFill rotWithShape="1">
           <a:blip r:embed="rId3"/>
-          <a:srcRect b="691"/>
+          <a:srcRect l="1084" t="681"/>
           <a:stretch/>
         </p:blipFill>
         <p:spPr>
           <a:xfrm>
-            <a:off x="5728251" y="888260"/>
-            <a:ext cx="5575851" cy="3932219"/>
+            <a:off x="6096000" y="880421"/>
+            <a:ext cx="4892743" cy="3509083"/>
           </a:xfrm>
           <a:prstGeom prst="rect">
             <a:avLst/>

--- a/발표자료/업데이트/LJJppt.pptx
+++ b/발표자료/업데이트/LJJppt.pptx
@@ -212,7 +212,7 @@
           <a:p>
             <a:fld id="{E7FAF690-47E0-7340-8219-FF1F73A830AB}" type="datetimeFigureOut">
               <a:rPr kumimoji="1" lang="x-none" altLang="en-US" smtClean="0"/>
-              <a:t>2023-09-13</a:t>
+              <a:t>2023-09-20</a:t>
             </a:fld>
             <a:endParaRPr kumimoji="1" lang="x-none" altLang="en-US"/>
           </a:p>
@@ -627,7 +627,7 @@
           <a:p>
             <a:fld id="{246E467A-4026-4A8D-97BF-715EF7FA6491}" type="datetimeFigureOut">
               <a:rPr lang="ko-KR" altLang="en-US" smtClean="0"/>
-              <a:t>2023-09-13</a:t>
+              <a:t>2023-09-20</a:t>
             </a:fld>
             <a:endParaRPr lang="ko-KR" altLang="en-US"/>
           </a:p>
@@ -825,7 +825,7 @@
           <a:p>
             <a:fld id="{246E467A-4026-4A8D-97BF-715EF7FA6491}" type="datetimeFigureOut">
               <a:rPr lang="ko-KR" altLang="en-US" smtClean="0"/>
-              <a:t>2023-09-13</a:t>
+              <a:t>2023-09-20</a:t>
             </a:fld>
             <a:endParaRPr lang="ko-KR" altLang="en-US"/>
           </a:p>
@@ -1033,7 +1033,7 @@
           <a:p>
             <a:fld id="{246E467A-4026-4A8D-97BF-715EF7FA6491}" type="datetimeFigureOut">
               <a:rPr lang="ko-KR" altLang="en-US" smtClean="0"/>
-              <a:t>2023-09-13</a:t>
+              <a:t>2023-09-20</a:t>
             </a:fld>
             <a:endParaRPr lang="ko-KR" altLang="en-US"/>
           </a:p>
@@ -1231,7 +1231,7 @@
           <a:p>
             <a:fld id="{246E467A-4026-4A8D-97BF-715EF7FA6491}" type="datetimeFigureOut">
               <a:rPr lang="ko-KR" altLang="en-US" smtClean="0"/>
-              <a:t>2023-09-13</a:t>
+              <a:t>2023-09-20</a:t>
             </a:fld>
             <a:endParaRPr lang="ko-KR" altLang="en-US"/>
           </a:p>
@@ -1506,7 +1506,7 @@
           <a:p>
             <a:fld id="{246E467A-4026-4A8D-97BF-715EF7FA6491}" type="datetimeFigureOut">
               <a:rPr lang="ko-KR" altLang="en-US" smtClean="0"/>
-              <a:t>2023-09-13</a:t>
+              <a:t>2023-09-20</a:t>
             </a:fld>
             <a:endParaRPr lang="ko-KR" altLang="en-US"/>
           </a:p>
@@ -1771,7 +1771,7 @@
           <a:p>
             <a:fld id="{246E467A-4026-4A8D-97BF-715EF7FA6491}" type="datetimeFigureOut">
               <a:rPr lang="ko-KR" altLang="en-US" smtClean="0"/>
-              <a:t>2023-09-13</a:t>
+              <a:t>2023-09-20</a:t>
             </a:fld>
             <a:endParaRPr lang="ko-KR" altLang="en-US"/>
           </a:p>
@@ -2183,7 +2183,7 @@
           <a:p>
             <a:fld id="{246E467A-4026-4A8D-97BF-715EF7FA6491}" type="datetimeFigureOut">
               <a:rPr lang="ko-KR" altLang="en-US" smtClean="0"/>
-              <a:t>2023-09-13</a:t>
+              <a:t>2023-09-20</a:t>
             </a:fld>
             <a:endParaRPr lang="ko-KR" altLang="en-US"/>
           </a:p>
@@ -2324,7 +2324,7 @@
           <a:p>
             <a:fld id="{246E467A-4026-4A8D-97BF-715EF7FA6491}" type="datetimeFigureOut">
               <a:rPr lang="ko-KR" altLang="en-US" smtClean="0"/>
-              <a:t>2023-09-13</a:t>
+              <a:t>2023-09-20</a:t>
             </a:fld>
             <a:endParaRPr lang="ko-KR" altLang="en-US"/>
           </a:p>
@@ -2437,7 +2437,7 @@
           <a:p>
             <a:fld id="{246E467A-4026-4A8D-97BF-715EF7FA6491}" type="datetimeFigureOut">
               <a:rPr lang="ko-KR" altLang="en-US" smtClean="0"/>
-              <a:t>2023-09-13</a:t>
+              <a:t>2023-09-20</a:t>
             </a:fld>
             <a:endParaRPr lang="ko-KR" altLang="en-US"/>
           </a:p>
@@ -2748,7 +2748,7 @@
           <a:p>
             <a:fld id="{246E467A-4026-4A8D-97BF-715EF7FA6491}" type="datetimeFigureOut">
               <a:rPr lang="ko-KR" altLang="en-US" smtClean="0"/>
-              <a:t>2023-09-13</a:t>
+              <a:t>2023-09-20</a:t>
             </a:fld>
             <a:endParaRPr lang="ko-KR" altLang="en-US"/>
           </a:p>
@@ -3036,7 +3036,7 @@
           <a:p>
             <a:fld id="{246E467A-4026-4A8D-97BF-715EF7FA6491}" type="datetimeFigureOut">
               <a:rPr lang="ko-KR" altLang="en-US" smtClean="0"/>
-              <a:t>2023-09-13</a:t>
+              <a:t>2023-09-20</a:t>
             </a:fld>
             <a:endParaRPr lang="ko-KR" altLang="en-US"/>
           </a:p>
@@ -3277,7 +3277,7 @@
           <a:p>
             <a:fld id="{246E467A-4026-4A8D-97BF-715EF7FA6491}" type="datetimeFigureOut">
               <a:rPr lang="ko-KR" altLang="en-US" smtClean="0"/>
-              <a:t>2023-09-13</a:t>
+              <a:t>2023-09-20</a:t>
             </a:fld>
             <a:endParaRPr lang="ko-KR" altLang="en-US"/>
           </a:p>
@@ -4157,8 +4157,8 @@
         </p:nvSpPr>
         <p:spPr>
           <a:xfrm>
-            <a:off x="3906079" y="5148906"/>
-            <a:ext cx="3508512" cy="646331"/>
+            <a:off x="2022275" y="2812486"/>
+            <a:ext cx="2437848" cy="369332"/>
           </a:xfrm>
           <a:prstGeom prst="rect">
             <a:avLst/>
@@ -4173,25 +4173,29 @@
           <a:p>
             <a:r>
               <a:rPr lang="ko-KR" altLang="en-US" dirty="0"/>
-              <a:t>메인 페이지 디자인 후 제작 작업</a:t>
-            </a:r>
-            <a:endParaRPr lang="en-US" altLang="ko-KR" dirty="0"/>
-          </a:p>
-          <a:p>
+              <a:t>로고 디자인</a:t>
+            </a:r>
+            <a:r>
+              <a:rPr lang="en-US" altLang="ko-KR" dirty="0"/>
+              <a:t>(</a:t>
+            </a:r>
             <a:r>
               <a:rPr lang="ko-KR" altLang="en-US" dirty="0"/>
-              <a:t>로고는 바뀔 예정</a:t>
-            </a:r>
-            <a:endParaRPr lang="en-US" altLang="ko-KR" dirty="0"/>
+              <a:t>변경 중</a:t>
+            </a:r>
+            <a:r>
+              <a:rPr lang="en-US" altLang="ko-KR" dirty="0"/>
+              <a:t>)</a:t>
+            </a:r>
           </a:p>
         </p:txBody>
       </p:sp>
       <p:pic>
         <p:nvPicPr>
-          <p:cNvPr id="4" name="그림 3">
-            <a:extLst>
-              <a:ext uri="{FF2B5EF4-FFF2-40B4-BE49-F238E27FC236}">
-                <a16:creationId xmlns:a16="http://schemas.microsoft.com/office/drawing/2014/main" id="{B6E16444-5055-483C-04C6-7CC3444711B4}"/>
+          <p:cNvPr id="5" name="그림 4" descr="폰트, 그래픽, 로고, 상징이(가) 표시된 사진&#10;&#10;자동 생성된 설명">
+            <a:extLst>
+              <a:ext uri="{FF2B5EF4-FFF2-40B4-BE49-F238E27FC236}">
+                <a16:creationId xmlns:a16="http://schemas.microsoft.com/office/drawing/2014/main" id="{6E3C1350-C9E7-A5F8-1853-DDFE694C2119}"/>
               </a:ext>
             </a:extLst>
           </p:cNvPr>
@@ -4200,15 +4204,22 @@
           </p:cNvPicPr>
           <p:nvPr/>
         </p:nvPicPr>
-        <p:blipFill rotWithShape="1">
-          <a:blip r:embed="rId2"/>
-          <a:srcRect l="1687" t="1822" r="1449"/>
-          <a:stretch/>
+        <p:blipFill>
+          <a:blip r:embed="rId2" cstate="screen">
+            <a:extLst>
+              <a:ext uri="{28A0092B-C50C-407E-A947-70E740481C1C}">
+                <a14:useLocalDpi xmlns:a14="http://schemas.microsoft.com/office/drawing/2010/main" val="0"/>
+              </a:ext>
+            </a:extLst>
+          </a:blip>
+          <a:stretch>
+            <a:fillRect/>
+          </a:stretch>
         </p:blipFill>
         <p:spPr>
           <a:xfrm>
-            <a:off x="631136" y="825040"/>
-            <a:ext cx="4946374" cy="3564464"/>
+            <a:off x="1205947" y="605999"/>
+            <a:ext cx="4070505" cy="2080973"/>
           </a:xfrm>
           <a:prstGeom prst="rect">
             <a:avLst/>
@@ -4217,10 +4228,10 @@
       </p:pic>
       <p:pic>
         <p:nvPicPr>
-          <p:cNvPr id="8" name="그림 7">
-            <a:extLst>
-              <a:ext uri="{FF2B5EF4-FFF2-40B4-BE49-F238E27FC236}">
-                <a16:creationId xmlns:a16="http://schemas.microsoft.com/office/drawing/2014/main" id="{D5F13818-24D0-527A-AA56-DA1E1D99C352}"/>
+          <p:cNvPr id="7" name="그림 6">
+            <a:extLst>
+              <a:ext uri="{FF2B5EF4-FFF2-40B4-BE49-F238E27FC236}">
+                <a16:creationId xmlns:a16="http://schemas.microsoft.com/office/drawing/2014/main" id="{BE6C65E4-FBE3-05C1-F561-E567B4580F2E}"/>
               </a:ext>
             </a:extLst>
           </p:cNvPr>
@@ -4229,21 +4240,65 @@
           </p:cNvPicPr>
           <p:nvPr/>
         </p:nvPicPr>
-        <p:blipFill rotWithShape="1">
+        <p:blipFill>
           <a:blip r:embed="rId3"/>
-          <a:srcRect l="1084" t="681"/>
-          <a:stretch/>
+          <a:stretch>
+            <a:fillRect/>
+          </a:stretch>
         </p:blipFill>
         <p:spPr>
           <a:xfrm>
-            <a:off x="6096000" y="880421"/>
-            <a:ext cx="4892743" cy="3509083"/>
+            <a:off x="7824550" y="605999"/>
+            <a:ext cx="3161503" cy="5415169"/>
           </a:xfrm>
           <a:prstGeom prst="rect">
             <a:avLst/>
           </a:prstGeom>
         </p:spPr>
       </p:pic>
+      <p:sp>
+        <p:nvSpPr>
+          <p:cNvPr id="9" name="TextBox 8">
+            <a:extLst>
+              <a:ext uri="{FF2B5EF4-FFF2-40B4-BE49-F238E27FC236}">
+                <a16:creationId xmlns:a16="http://schemas.microsoft.com/office/drawing/2014/main" id="{66586362-F6EE-F5D5-3FBD-9899440CC758}"/>
+              </a:ext>
+            </a:extLst>
+          </p:cNvPr>
+          <p:cNvSpPr txBox="1"/>
+          <p:nvPr/>
+        </p:nvSpPr>
+        <p:spPr>
+          <a:xfrm>
+            <a:off x="4979504" y="5651836"/>
+            <a:ext cx="2526075" cy="369332"/>
+          </a:xfrm>
+          <a:prstGeom prst="rect">
+            <a:avLst/>
+          </a:prstGeom>
+          <a:noFill/>
+        </p:spPr>
+        <p:txBody>
+          <a:bodyPr wrap="square" rtlCol="0">
+            <a:spAutoFit/>
+          </a:bodyPr>
+          <a:lstStyle/>
+          <a:p>
+            <a:r>
+              <a:rPr lang="ko-KR" altLang="en-US" dirty="0"/>
+              <a:t>모바일용 </a:t>
+            </a:r>
+            <a:r>
+              <a:rPr lang="ko-KR" altLang="en-US" dirty="0" err="1"/>
+              <a:t>메인페이지</a:t>
+            </a:r>
+            <a:r>
+              <a:rPr lang="en-US" altLang="ko-KR" dirty="0"/>
+              <a:t>-&gt;</a:t>
+            </a:r>
+          </a:p>
+        </p:txBody>
+      </p:sp>
     </p:spTree>
     <p:extLst>
       <p:ext uri="{BB962C8B-B14F-4D97-AF65-F5344CB8AC3E}">

--- a/발표자료/업데이트/LJJppt.pptx
+++ b/발표자료/업데이트/LJJppt.pptx
@@ -4226,12 +4226,55 @@
           </a:prstGeom>
         </p:spPr>
       </p:pic>
+      <p:sp>
+        <p:nvSpPr>
+          <p:cNvPr id="9" name="TextBox 8">
+            <a:extLst>
+              <a:ext uri="{FF2B5EF4-FFF2-40B4-BE49-F238E27FC236}">
+                <a16:creationId xmlns:a16="http://schemas.microsoft.com/office/drawing/2014/main" id="{66586362-F6EE-F5D5-3FBD-9899440CC758}"/>
+              </a:ext>
+            </a:extLst>
+          </p:cNvPr>
+          <p:cNvSpPr txBox="1"/>
+          <p:nvPr/>
+        </p:nvSpPr>
+        <p:spPr>
+          <a:xfrm>
+            <a:off x="4979504" y="5651836"/>
+            <a:ext cx="2526075" cy="369332"/>
+          </a:xfrm>
+          <a:prstGeom prst="rect">
+            <a:avLst/>
+          </a:prstGeom>
+          <a:noFill/>
+        </p:spPr>
+        <p:txBody>
+          <a:bodyPr wrap="square" rtlCol="0">
+            <a:spAutoFit/>
+          </a:bodyPr>
+          <a:lstStyle/>
+          <a:p>
+            <a:r>
+              <a:rPr lang="ko-KR" altLang="en-US" dirty="0"/>
+              <a:t>모바일용 </a:t>
+            </a:r>
+            <a:r>
+              <a:rPr lang="ko-KR" altLang="en-US" dirty="0" err="1"/>
+              <a:t>메인페이지</a:t>
+            </a:r>
+            <a:r>
+              <a:rPr lang="en-US" altLang="ko-KR" dirty="0"/>
+              <a:t>-&gt;</a:t>
+            </a:r>
+          </a:p>
+        </p:txBody>
+      </p:sp>
       <p:pic>
         <p:nvPicPr>
-          <p:cNvPr id="7" name="그림 6">
-            <a:extLst>
-              <a:ext uri="{FF2B5EF4-FFF2-40B4-BE49-F238E27FC236}">
-                <a16:creationId xmlns:a16="http://schemas.microsoft.com/office/drawing/2014/main" id="{BE6C65E4-FBE3-05C1-F561-E567B4580F2E}"/>
+          <p:cNvPr id="4" name="그림 3">
+            <a:extLst>
+              <a:ext uri="{FF2B5EF4-FFF2-40B4-BE49-F238E27FC236}">
+                <a16:creationId xmlns:a16="http://schemas.microsoft.com/office/drawing/2014/main" id="{4112C7C2-46EF-1CBF-568A-F14CBA85861C}"/>
               </a:ext>
             </a:extLst>
           </p:cNvPr>
@@ -4248,57 +4291,14 @@
         </p:blipFill>
         <p:spPr>
           <a:xfrm>
-            <a:off x="7824550" y="605999"/>
-            <a:ext cx="3161503" cy="5415169"/>
+            <a:off x="7505579" y="400050"/>
+            <a:ext cx="3762375" cy="6267450"/>
           </a:xfrm>
           <a:prstGeom prst="rect">
             <a:avLst/>
           </a:prstGeom>
         </p:spPr>
       </p:pic>
-      <p:sp>
-        <p:nvSpPr>
-          <p:cNvPr id="9" name="TextBox 8">
-            <a:extLst>
-              <a:ext uri="{FF2B5EF4-FFF2-40B4-BE49-F238E27FC236}">
-                <a16:creationId xmlns:a16="http://schemas.microsoft.com/office/drawing/2014/main" id="{66586362-F6EE-F5D5-3FBD-9899440CC758}"/>
-              </a:ext>
-            </a:extLst>
-          </p:cNvPr>
-          <p:cNvSpPr txBox="1"/>
-          <p:nvPr/>
-        </p:nvSpPr>
-        <p:spPr>
-          <a:xfrm>
-            <a:off x="4979504" y="5651836"/>
-            <a:ext cx="2526075" cy="369332"/>
-          </a:xfrm>
-          <a:prstGeom prst="rect">
-            <a:avLst/>
-          </a:prstGeom>
-          <a:noFill/>
-        </p:spPr>
-        <p:txBody>
-          <a:bodyPr wrap="square" rtlCol="0">
-            <a:spAutoFit/>
-          </a:bodyPr>
-          <a:lstStyle/>
-          <a:p>
-            <a:r>
-              <a:rPr lang="ko-KR" altLang="en-US" dirty="0"/>
-              <a:t>모바일용 </a:t>
-            </a:r>
-            <a:r>
-              <a:rPr lang="ko-KR" altLang="en-US" dirty="0" err="1"/>
-              <a:t>메인페이지</a:t>
-            </a:r>
-            <a:r>
-              <a:rPr lang="en-US" altLang="ko-KR" dirty="0"/>
-              <a:t>-&gt;</a:t>
-            </a:r>
-          </a:p>
-        </p:txBody>
-      </p:sp>
     </p:spTree>
     <p:extLst>
       <p:ext uri="{BB962C8B-B14F-4D97-AF65-F5344CB8AC3E}">
